--- a/First presentation draft.pptx
+++ b/First presentation draft.pptx
@@ -5,10 +5,10 @@
     <p:sldMasterId id="2147483648" r:id="rId4"/>
   </p:sldMasterIdLst>
   <p:notesMasterIdLst>
-    <p:notesMasterId r:id="rId19"/>
+    <p:notesMasterId r:id="rId21"/>
   </p:notesMasterIdLst>
   <p:handoutMasterIdLst>
-    <p:handoutMasterId r:id="rId20"/>
+    <p:handoutMasterId r:id="rId22"/>
   </p:handoutMasterIdLst>
   <p:sldIdLst>
     <p:sldId id="342" r:id="rId5"/>
@@ -24,7 +24,9 @@
     <p:sldId id="381" r:id="rId15"/>
     <p:sldId id="382" r:id="rId16"/>
     <p:sldId id="383" r:id="rId17"/>
-    <p:sldId id="372" r:id="rId18"/>
+    <p:sldId id="384" r:id="rId18"/>
+    <p:sldId id="385" r:id="rId19"/>
+    <p:sldId id="372" r:id="rId20"/>
   </p:sldIdLst>
   <p:sldSz cx="12192000" cy="6858000"/>
   <p:notesSz cx="6858000" cy="9144000"/>
@@ -3663,7 +3665,7 @@
           <a:p>
             <a:fld id="{258BFD57-AB0A-470B-A7AF-56DFE7B5174A}" type="datetimeFigureOut">
               <a:rPr lang="en-US" smtClean="0"/>
-              <a:t>11/9/2025</a:t>
+              <a:t>11/12/2025</a:t>
             </a:fld>
             <a:endParaRPr lang="en-US" dirty="0"/>
           </a:p>
@@ -3840,7 +3842,7 @@
           <a:p>
             <a:fld id="{D4B3339F-6CEA-4641-BE08-40DAFD6FCF25}" type="datetimeFigureOut">
               <a:rPr lang="en-US" smtClean="0"/>
-              <a:t>11/9/2025</a:t>
+              <a:t>11/12/2025</a:t>
             </a:fld>
             <a:endParaRPr lang="en-US" dirty="0"/>
           </a:p>
@@ -4567,7 +4569,7 @@
           <a:p>
             <a:fld id="{DEF75CB5-5666-5049-9AE0-38EFD385C21E}" type="slidenum">
               <a:rPr lang="en-US" smtClean="0"/>
-              <a:t>14</a:t>
+              <a:t>16</a:t>
             </a:fld>
             <a:endParaRPr lang="en-US" dirty="0"/>
           </a:p>
@@ -15665,43 +15667,6 @@
       </p:sp>
       <p:sp>
         <p:nvSpPr>
-          <p:cNvPr id="4" name="Content Placeholder 3">
-            <a:extLst>
-              <a:ext uri="{FF2B5EF4-FFF2-40B4-BE49-F238E27FC236}">
-                <a16:creationId xmlns:a16="http://schemas.microsoft.com/office/drawing/2014/main" id="{01F23857-242E-5A6F-218D-6360614BFFDD}"/>
-              </a:ext>
-            </a:extLst>
-          </p:cNvPr>
-          <p:cNvSpPr>
-            <a:spLocks noGrp="1"/>
-          </p:cNvSpPr>
-          <p:nvPr>
-            <p:ph sz="quarter" idx="36"/>
-          </p:nvPr>
-        </p:nvSpPr>
-        <p:spPr>
-          <a:xfrm>
-            <a:off x="5847768" y="3437089"/>
-            <a:ext cx="5537194" cy="3723753"/>
-          </a:xfrm>
-        </p:spPr>
-        <p:txBody>
-          <a:bodyPr/>
-          <a:lstStyle/>
-          <a:p>
-            <a:r>
-              <a:rPr lang="en-US" sz="3200" dirty="0">
-                <a:solidFill>
-                  <a:srgbClr val="FF0000"/>
-                </a:solidFill>
-              </a:rPr>
-              <a:t>TO ADD DIAGRAM!!!!!!!!!!!!!!!!!</a:t>
-            </a:r>
-          </a:p>
-        </p:txBody>
-      </p:sp>
-      <p:sp>
-        <p:nvSpPr>
           <p:cNvPr id="5" name="Slide Number Placeholder 4">
             <a:extLst>
               <a:ext uri="{FF2B5EF4-FFF2-40B4-BE49-F238E27FC236}">
@@ -15730,6 +15695,35 @@
           </a:p>
         </p:txBody>
       </p:sp>
+      <p:pic>
+        <p:nvPicPr>
+          <p:cNvPr id="16" name="Content Placeholder 15" descr="A diagram of a software application&#10;&#10;AI-generated content may be incorrect.">
+            <a:extLst>
+              <a:ext uri="{FF2B5EF4-FFF2-40B4-BE49-F238E27FC236}">
+                <a16:creationId xmlns:a16="http://schemas.microsoft.com/office/drawing/2014/main" id="{BA90A4E5-B77E-58D4-6816-6170BEDA541A}"/>
+              </a:ext>
+            </a:extLst>
+          </p:cNvPr>
+          <p:cNvPicPr>
+            <a:picLocks noGrp="1" noChangeAspect="1"/>
+          </p:cNvPicPr>
+          <p:nvPr>
+            <p:ph sz="quarter" idx="36"/>
+          </p:nvPr>
+        </p:nvPicPr>
+        <p:blipFill>
+          <a:blip r:embed="rId2"/>
+          <a:stretch>
+            <a:fillRect/>
+          </a:stretch>
+        </p:blipFill>
+        <p:spPr>
+          <a:xfrm>
+            <a:off x="6096000" y="2129934"/>
+            <a:ext cx="5162550" cy="3724275"/>
+          </a:xfrm>
+        </p:spPr>
+      </p:pic>
     </p:spTree>
     <p:extLst>
       <p:ext uri="{BB962C8B-B14F-4D97-AF65-F5344CB8AC3E}">
@@ -15746,37 +15740,325 @@
 <file path=ppt/slides/slide14.xml><?xml version="1.0" encoding="utf-8"?>
 <p:sld xmlns:a="http://schemas.openxmlformats.org/drawingml/2006/main" xmlns:r="http://schemas.openxmlformats.org/officeDocument/2006/relationships" xmlns:p="http://schemas.openxmlformats.org/presentationml/2006/main">
   <p:cSld>
-    <p:bg>
-      <p:bgPr>
-        <a:gradFill>
-          <a:gsLst>
-            <a:gs pos="78000">
-              <a:schemeClr val="accent6">
-                <a:lumMod val="50000"/>
-              </a:schemeClr>
-            </a:gs>
-            <a:gs pos="35040">
-              <a:srgbClr val="020B11"/>
-            </a:gs>
-            <a:gs pos="11979">
-              <a:schemeClr val="accent4">
-                <a:lumMod val="50000"/>
-              </a:schemeClr>
-            </a:gs>
-            <a:gs pos="0">
-              <a:schemeClr val="accent4"/>
-            </a:gs>
-            <a:gs pos="99000">
-              <a:schemeClr val="tx2">
-                <a:lumMod val="50000"/>
-              </a:schemeClr>
-            </a:gs>
-          </a:gsLst>
-          <a:lin ang="7800000" scaled="0"/>
-        </a:gradFill>
-        <a:effectLst/>
-      </p:bgPr>
-    </p:bg>
+    <p:spTree>
+      <p:nvGrpSpPr>
+        <p:cNvPr id="1" name=""/>
+        <p:cNvGrpSpPr/>
+        <p:nvPr/>
+      </p:nvGrpSpPr>
+      <p:grpSpPr>
+        <a:xfrm>
+          <a:off x="0" y="0"/>
+          <a:ext cx="0" cy="0"/>
+          <a:chOff x="0" y="0"/>
+          <a:chExt cx="0" cy="0"/>
+        </a:xfrm>
+      </p:grpSpPr>
+      <p:sp>
+        <p:nvSpPr>
+          <p:cNvPr id="10" name="Subtitle 2">
+            <a:extLst>
+              <a:ext uri="{FF2B5EF4-FFF2-40B4-BE49-F238E27FC236}">
+                <a16:creationId xmlns:a16="http://schemas.microsoft.com/office/drawing/2014/main" id="{0CCE247C-91F4-0209-5CC0-14EA8B1D4839}"/>
+              </a:ext>
+            </a:extLst>
+          </p:cNvPr>
+          <p:cNvSpPr>
+            <a:spLocks noGrp="1"/>
+          </p:cNvSpPr>
+          <p:nvPr>
+            <p:ph type="title"/>
+          </p:nvPr>
+        </p:nvSpPr>
+        <p:spPr>
+          <a:xfrm>
+            <a:off x="3" y="1821180"/>
+            <a:ext cx="12191994" cy="3215641"/>
+          </a:xfrm>
+        </p:spPr>
+        <p:txBody>
+          <a:bodyPr anchor="ctr">
+            <a:normAutofit/>
+          </a:bodyPr>
+          <a:lstStyle/>
+          <a:p>
+            <a:r>
+              <a:rPr lang="en-US" dirty="0"/>
+              <a:t>Getting started</a:t>
+            </a:r>
+          </a:p>
+        </p:txBody>
+      </p:sp>
+      <p:sp>
+        <p:nvSpPr>
+          <p:cNvPr id="5" name="Slide Number Placeholder 4" hidden="1">
+            <a:extLst>
+              <a:ext uri="{FF2B5EF4-FFF2-40B4-BE49-F238E27FC236}">
+                <a16:creationId xmlns:a16="http://schemas.microsoft.com/office/drawing/2014/main" id="{1EB72F1D-73D9-99CA-509B-56A5DA6F7816}"/>
+              </a:ext>
+            </a:extLst>
+          </p:cNvPr>
+          <p:cNvSpPr>
+            <a:spLocks noGrp="1"/>
+          </p:cNvSpPr>
+          <p:nvPr>
+            <p:ph type="sldNum" sz="quarter" idx="4294967295"/>
+          </p:nvPr>
+        </p:nvSpPr>
+        <p:spPr>
+          <a:xfrm>
+            <a:off x="9140971" y="6226198"/>
+            <a:ext cx="2743200" cy="365125"/>
+          </a:xfrm>
+        </p:spPr>
+        <p:txBody>
+          <a:bodyPr anchor="ctr">
+            <a:normAutofit/>
+          </a:bodyPr>
+          <a:lstStyle/>
+          <a:p>
+            <a:pPr>
+              <a:spcAft>
+                <a:spcPts val="600"/>
+              </a:spcAft>
+            </a:pPr>
+            <a:fld id="{FE024F78-56A6-7740-B68D-8D4D026EDF3F}" type="slidenum">
+              <a:rPr lang="en-US" smtClean="0"/>
+              <a:pPr>
+                <a:spcAft>
+                  <a:spcPts val="600"/>
+                </a:spcAft>
+              </a:pPr>
+              <a:t>14</a:t>
+            </a:fld>
+            <a:endParaRPr lang="en-US"/>
+          </a:p>
+        </p:txBody>
+      </p:sp>
+    </p:spTree>
+    <p:extLst>
+      <p:ext uri="{BB962C8B-B14F-4D97-AF65-F5344CB8AC3E}">
+        <p14:creationId xmlns:p14="http://schemas.microsoft.com/office/powerpoint/2010/main" val="506345067"/>
+      </p:ext>
+    </p:extLst>
+  </p:cSld>
+  <p:clrMapOvr>
+    <a:masterClrMapping/>
+  </p:clrMapOvr>
+</p:sld>
+</file>
+
+<file path=ppt/slides/slide15.xml><?xml version="1.0" encoding="utf-8"?>
+<p:sld xmlns:a="http://schemas.openxmlformats.org/drawingml/2006/main" xmlns:r="http://schemas.openxmlformats.org/officeDocument/2006/relationships" xmlns:p="http://schemas.openxmlformats.org/presentationml/2006/main">
+  <p:cSld>
+    <p:spTree>
+      <p:nvGrpSpPr>
+        <p:cNvPr id="1" name=""/>
+        <p:cNvGrpSpPr/>
+        <p:nvPr/>
+      </p:nvGrpSpPr>
+      <p:grpSpPr>
+        <a:xfrm>
+          <a:off x="0" y="0"/>
+          <a:ext cx="0" cy="0"/>
+          <a:chOff x="0" y="0"/>
+          <a:chExt cx="0" cy="0"/>
+        </a:xfrm>
+      </p:grpSpPr>
+      <p:sp>
+        <p:nvSpPr>
+          <p:cNvPr id="9" name="Title 1">
+            <a:extLst>
+              <a:ext uri="{FF2B5EF4-FFF2-40B4-BE49-F238E27FC236}">
+                <a16:creationId xmlns:a16="http://schemas.microsoft.com/office/drawing/2014/main" id="{F05E1207-26F6-B5C7-CE65-E85C5C5D9422}"/>
+              </a:ext>
+            </a:extLst>
+          </p:cNvPr>
+          <p:cNvSpPr>
+            <a:spLocks noGrp="1"/>
+          </p:cNvSpPr>
+          <p:nvPr>
+            <p:ph type="title"/>
+          </p:nvPr>
+        </p:nvSpPr>
+        <p:spPr>
+          <a:xfrm>
+            <a:off x="733562" y="433906"/>
+            <a:ext cx="10515601" cy="1327464"/>
+          </a:xfrm>
+        </p:spPr>
+        <p:txBody>
+          <a:bodyPr/>
+          <a:lstStyle/>
+          <a:p>
+            <a:r>
+              <a:rPr lang="en-US" dirty="0"/>
+              <a:t>Resources</a:t>
+            </a:r>
+          </a:p>
+        </p:txBody>
+      </p:sp>
+      <p:sp>
+        <p:nvSpPr>
+          <p:cNvPr id="11" name="Content Placeholder 2">
+            <a:extLst>
+              <a:ext uri="{FF2B5EF4-FFF2-40B4-BE49-F238E27FC236}">
+                <a16:creationId xmlns:a16="http://schemas.microsoft.com/office/drawing/2014/main" id="{9098F777-66B2-27E4-04B6-E2F96686B8E8}"/>
+              </a:ext>
+            </a:extLst>
+          </p:cNvPr>
+          <p:cNvSpPr>
+            <a:spLocks noGrp="1"/>
+          </p:cNvSpPr>
+          <p:nvPr>
+            <p:ph sz="quarter" idx="36"/>
+          </p:nvPr>
+        </p:nvSpPr>
+        <p:spPr>
+          <a:xfrm>
+            <a:off x="814302" y="2465535"/>
+            <a:ext cx="7303538" cy="3427265"/>
+          </a:xfrm>
+        </p:spPr>
+        <p:txBody>
+          <a:bodyPr/>
+          <a:lstStyle/>
+          <a:p>
+            <a:r>
+              <a:rPr lang="en-US" dirty="0"/>
+              <a:t>Official Kubernetes docs: </a:t>
+            </a:r>
+            <a:r>
+              <a:rPr lang="en-US" dirty="0">
+                <a:hlinkClick r:id="rId2"/>
+              </a:rPr>
+              <a:t>https://kubernetes.io/docs/home/</a:t>
+            </a:r>
+            <a:endParaRPr lang="en-US" dirty="0"/>
+          </a:p>
+          <a:p>
+            <a:r>
+              <a:rPr lang="en-US" dirty="0"/>
+              <a:t>Interactive tutorials: </a:t>
+            </a:r>
+            <a:r>
+              <a:rPr lang="en-US" dirty="0" err="1"/>
+              <a:t>Katacoda</a:t>
+            </a:r>
+            <a:endParaRPr lang="en-US" dirty="0"/>
+          </a:p>
+          <a:p>
+            <a:r>
+              <a:rPr lang="en-US" dirty="0"/>
+              <a:t>Books: </a:t>
+            </a:r>
+            <a:r>
+              <a:rPr lang="en-US" i="1" dirty="0"/>
+              <a:t>Kubernetes Up &amp; Running (Hightower et al.)</a:t>
+            </a:r>
+          </a:p>
+          <a:p>
+            <a:r>
+              <a:rPr lang="en-US" dirty="0"/>
+              <a:t>CNCF reports and community blogs</a:t>
+            </a:r>
+          </a:p>
+        </p:txBody>
+      </p:sp>
+      <p:pic>
+        <p:nvPicPr>
+          <p:cNvPr id="5" name="Content Placeholder 4">
+            <a:extLst>
+              <a:ext uri="{FF2B5EF4-FFF2-40B4-BE49-F238E27FC236}">
+                <a16:creationId xmlns:a16="http://schemas.microsoft.com/office/drawing/2014/main" id="{D55DAE22-E0BC-46DE-A3E4-7BE5ACE2099B}"/>
+              </a:ext>
+            </a:extLst>
+          </p:cNvPr>
+          <p:cNvPicPr>
+            <a:picLocks noGrp="1" noChangeAspect="1"/>
+          </p:cNvPicPr>
+          <p:nvPr>
+            <p:ph sz="quarter" idx="37"/>
+          </p:nvPr>
+        </p:nvPicPr>
+        <p:blipFill>
+          <a:blip r:embed="rId3"/>
+          <a:stretch>
+            <a:fillRect/>
+          </a:stretch>
+        </p:blipFill>
+        <p:spPr>
+          <a:xfrm>
+            <a:off x="8391525" y="2790991"/>
+            <a:ext cx="2857500" cy="2776205"/>
+          </a:xfrm>
+          <a:prstGeom prst="rect">
+            <a:avLst/>
+          </a:prstGeom>
+        </p:spPr>
+      </p:pic>
+      <p:sp>
+        <p:nvSpPr>
+          <p:cNvPr id="4" name="Slide Number Placeholder 3">
+            <a:extLst>
+              <a:ext uri="{FF2B5EF4-FFF2-40B4-BE49-F238E27FC236}">
+                <a16:creationId xmlns:a16="http://schemas.microsoft.com/office/drawing/2014/main" id="{E101D3CD-5FF7-4A09-B809-56B77731AE4C}"/>
+              </a:ext>
+            </a:extLst>
+          </p:cNvPr>
+          <p:cNvSpPr>
+            <a:spLocks noGrp="1"/>
+          </p:cNvSpPr>
+          <p:nvPr>
+            <p:ph type="sldNum" sz="quarter" idx="12"/>
+          </p:nvPr>
+        </p:nvSpPr>
+        <p:spPr>
+          <a:xfrm>
+            <a:off x="9140971" y="6226198"/>
+            <a:ext cx="2743200" cy="365125"/>
+          </a:xfrm>
+        </p:spPr>
+        <p:txBody>
+          <a:bodyPr anchor="ctr">
+            <a:normAutofit/>
+          </a:bodyPr>
+          <a:lstStyle/>
+          <a:p>
+            <a:pPr>
+              <a:spcAft>
+                <a:spcPts val="600"/>
+              </a:spcAft>
+            </a:pPr>
+            <a:fld id="{FE024F78-56A6-7740-B68D-8D4D026EDF3F}" type="slidenum">
+              <a:rPr lang="en-US" smtClean="0"/>
+              <a:pPr>
+                <a:spcAft>
+                  <a:spcPts val="600"/>
+                </a:spcAft>
+              </a:pPr>
+              <a:t>15</a:t>
+            </a:fld>
+            <a:endParaRPr lang="en-US"/>
+          </a:p>
+        </p:txBody>
+      </p:sp>
+    </p:spTree>
+    <p:extLst>
+      <p:ext uri="{BB962C8B-B14F-4D97-AF65-F5344CB8AC3E}">
+        <p14:creationId xmlns:p14="http://schemas.microsoft.com/office/powerpoint/2010/main" val="1999614898"/>
+      </p:ext>
+    </p:extLst>
+  </p:cSld>
+  <p:clrMapOvr>
+    <a:masterClrMapping/>
+  </p:clrMapOvr>
+</p:sld>
+</file>
+
+<file path=ppt/slides/slide16.xml><?xml version="1.0" encoding="utf-8"?>
+<p:sld xmlns:a="http://schemas.openxmlformats.org/drawingml/2006/main" xmlns:r="http://schemas.openxmlformats.org/officeDocument/2006/relationships" xmlns:p="http://schemas.openxmlformats.org/presentationml/2006/main">
+  <p:cSld>
     <p:spTree>
       <p:nvGrpSpPr>
         <p:cNvPr id="1" name=""/>
@@ -15809,12 +16091,14 @@
         </p:nvSpPr>
         <p:spPr>
           <a:xfrm>
-            <a:off x="835831" y="173735"/>
-            <a:ext cx="4409514" cy="2203704"/>
+            <a:off x="3" y="1821180"/>
+            <a:ext cx="12191994" cy="3215641"/>
           </a:xfrm>
         </p:spPr>
         <p:txBody>
-          <a:bodyPr/>
+          <a:bodyPr anchor="ctr">
+            <a:normAutofit/>
+          </a:bodyPr>
           <a:lstStyle/>
           <a:p>
             <a:r>
@@ -20137,35 +20421,6 @@
 </file>
 
 <file path=customXml/item1.xml><?xml version="1.0" encoding="utf-8"?>
-<p:properties xmlns:p="http://schemas.microsoft.com/office/2006/metadata/properties" xmlns:xsi="http://www.w3.org/2001/XMLSchema-instance" xmlns:pc="http://schemas.microsoft.com/office/infopath/2007/PartnerControls">
-  <documentManagement>
-    <_ip_UnifiedCompliancePolicyUIAction xmlns="http://schemas.microsoft.com/sharepoint/v3" xsi:nil="true"/>
-    <Image xmlns="71af3243-3dd4-4a8d-8c0d-dd76da1f02a5">
-      <Url xsi:nil="true"/>
-      <Description xsi:nil="true"/>
-    </Image>
-    <Status xmlns="71af3243-3dd4-4a8d-8c0d-dd76da1f02a5">Not started</Status>
-    <Background xmlns="71af3243-3dd4-4a8d-8c0d-dd76da1f02a5">false</Background>
-    <_ip_UnifiedCompliancePolicyProperties xmlns="http://schemas.microsoft.com/sharepoint/v3" xsi:nil="true"/>
-    <ImageTagsTaxHTField xmlns="71af3243-3dd4-4a8d-8c0d-dd76da1f02a5">
-      <Terms xmlns="http://schemas.microsoft.com/office/infopath/2007/PartnerControls"/>
-    </ImageTagsTaxHTField>
-    <TaxCatchAll xmlns="230e9df3-be65-4c73-a93b-d1236ebd677e" xsi:nil="true"/>
-    <MediaServiceKeyPoints xmlns="71af3243-3dd4-4a8d-8c0d-dd76da1f02a5" xsi:nil="true"/>
-  </documentManagement>
-</p:properties>
-</file>
-
-<file path=customXml/item2.xml><?xml version="1.0" encoding="utf-8"?>
-<?mso-contentType ?>
-<FormTemplates xmlns="http://schemas.microsoft.com/sharepoint/v3/contenttype/forms">
-  <Display>DocumentLibraryForm</Display>
-  <Edit>DocumentLibraryForm</Edit>
-  <New>DocumentLibraryForm</New>
-</FormTemplates>
-</file>
-
-<file path=customXml/item3.xml><?xml version="1.0" encoding="utf-8"?>
 <ct:contentTypeSchema xmlns:ct="http://schemas.microsoft.com/office/2006/metadata/contentType" xmlns:ma="http://schemas.microsoft.com/office/2006/metadata/properties/metaAttributes" ct:_="" ma:_="" ma:contentTypeName="Document" ma:contentTypeID="0x01010079F111ED35F8CC479449609E8A0923A6" ma:contentTypeVersion="28" ma:contentTypeDescription="Create a new document." ma:contentTypeScope="" ma:versionID="60f5a4f2d2b0abadcf532d48ebf9cb71">
   <xsd:schema xmlns:xsd="http://www.w3.org/2001/XMLSchema" xmlns:xs="http://www.w3.org/2001/XMLSchema" xmlns:p="http://schemas.microsoft.com/office/2006/metadata/properties" xmlns:ns1="http://schemas.microsoft.com/sharepoint/v3" xmlns:ns2="71af3243-3dd4-4a8d-8c0d-dd76da1f02a5" xmlns:ns3="16c05727-aa75-4e4a-9b5f-8a80a1165891" xmlns:ns4="230e9df3-be65-4c73-a93b-d1236ebd677e" targetNamespace="http://schemas.microsoft.com/office/2006/metadata/properties" ma:root="true" ma:fieldsID="7dd78129e6a1811f84807ad11c651531" ns1:_="" ns2:_="" ns3:_="" ns4:_="">
     <xsd:import namespace="http://schemas.microsoft.com/sharepoint/v3"/>
@@ -20477,27 +20732,36 @@
 </ct:contentTypeSchema>
 </file>
 
-<file path=customXml/itemProps1.xml><?xml version="1.0" encoding="utf-8"?>
-<ds:datastoreItem xmlns:ds="http://schemas.openxmlformats.org/officeDocument/2006/customXml" ds:itemID="{E305301E-11B3-4B9D-A588-21F3C9809371}">
-  <ds:schemaRefs>
-    <ds:schemaRef ds:uri="http://schemas.microsoft.com/office/2006/metadata/properties"/>
-    <ds:schemaRef ds:uri="http://schemas.microsoft.com/office/infopath/2007/PartnerControls"/>
-    <ds:schemaRef ds:uri="http://schemas.microsoft.com/sharepoint/v3"/>
-    <ds:schemaRef ds:uri="71af3243-3dd4-4a8d-8c0d-dd76da1f02a5"/>
-    <ds:schemaRef ds:uri="230e9df3-be65-4c73-a93b-d1236ebd677e"/>
-  </ds:schemaRefs>
-</ds:datastoreItem>
+<file path=customXml/item2.xml><?xml version="1.0" encoding="utf-8"?>
+<?mso-contentType ?>
+<FormTemplates xmlns="http://schemas.microsoft.com/sharepoint/v3/contenttype/forms">
+  <Display>DocumentLibraryForm</Display>
+  <Edit>DocumentLibraryForm</Edit>
+  <New>DocumentLibraryForm</New>
+</FormTemplates>
 </file>
 
-<file path=customXml/itemProps2.xml><?xml version="1.0" encoding="utf-8"?>
-<ds:datastoreItem xmlns:ds="http://schemas.openxmlformats.org/officeDocument/2006/customXml" ds:itemID="{44137456-21FC-4AE2-8A94-BF06CAF2EB9B}">
-  <ds:schemaRefs>
-    <ds:schemaRef ds:uri="http://schemas.microsoft.com/sharepoint/v3/contenttype/forms"/>
-  </ds:schemaRefs>
-</ds:datastoreItem>
+<file path=customXml/item3.xml><?xml version="1.0" encoding="utf-8"?>
+<p:properties xmlns:p="http://schemas.microsoft.com/office/2006/metadata/properties" xmlns:xsi="http://www.w3.org/2001/XMLSchema-instance" xmlns:pc="http://schemas.microsoft.com/office/infopath/2007/PartnerControls">
+  <documentManagement>
+    <_ip_UnifiedCompliancePolicyUIAction xmlns="http://schemas.microsoft.com/sharepoint/v3" xsi:nil="true"/>
+    <Image xmlns="71af3243-3dd4-4a8d-8c0d-dd76da1f02a5">
+      <Url xsi:nil="true"/>
+      <Description xsi:nil="true"/>
+    </Image>
+    <Status xmlns="71af3243-3dd4-4a8d-8c0d-dd76da1f02a5">Not started</Status>
+    <Background xmlns="71af3243-3dd4-4a8d-8c0d-dd76da1f02a5">false</Background>
+    <_ip_UnifiedCompliancePolicyProperties xmlns="http://schemas.microsoft.com/sharepoint/v3" xsi:nil="true"/>
+    <ImageTagsTaxHTField xmlns="71af3243-3dd4-4a8d-8c0d-dd76da1f02a5">
+      <Terms xmlns="http://schemas.microsoft.com/office/infopath/2007/PartnerControls"/>
+    </ImageTagsTaxHTField>
+    <TaxCatchAll xmlns="230e9df3-be65-4c73-a93b-d1236ebd677e" xsi:nil="true"/>
+    <MediaServiceKeyPoints xmlns="71af3243-3dd4-4a8d-8c0d-dd76da1f02a5" xsi:nil="true"/>
+  </documentManagement>
+</p:properties>
 </file>
 
-<file path=customXml/itemProps3.xml><?xml version="1.0" encoding="utf-8"?>
+<file path=customXml/itemProps1.xml><?xml version="1.0" encoding="utf-8"?>
 <ds:datastoreItem xmlns:ds="http://schemas.openxmlformats.org/officeDocument/2006/customXml" ds:itemID="{C77B561B-3A65-4A22-9691-EB838E7F9B87}">
   <ds:schemaRefs>
     <ds:schemaRef ds:uri="http://schemas.microsoft.com/office/2006/metadata/contentType"/>
@@ -20518,6 +20782,26 @@
 </ds:datastoreItem>
 </file>
 
+<file path=customXml/itemProps2.xml><?xml version="1.0" encoding="utf-8"?>
+<ds:datastoreItem xmlns:ds="http://schemas.openxmlformats.org/officeDocument/2006/customXml" ds:itemID="{44137456-21FC-4AE2-8A94-BF06CAF2EB9B}">
+  <ds:schemaRefs>
+    <ds:schemaRef ds:uri="http://schemas.microsoft.com/sharepoint/v3/contenttype/forms"/>
+  </ds:schemaRefs>
+</ds:datastoreItem>
+</file>
+
+<file path=customXml/itemProps3.xml><?xml version="1.0" encoding="utf-8"?>
+<ds:datastoreItem xmlns:ds="http://schemas.openxmlformats.org/officeDocument/2006/customXml" ds:itemID="{E305301E-11B3-4B9D-A588-21F3C9809371}">
+  <ds:schemaRefs>
+    <ds:schemaRef ds:uri="http://schemas.microsoft.com/office/2006/metadata/properties"/>
+    <ds:schemaRef ds:uri="http://schemas.microsoft.com/office/infopath/2007/PartnerControls"/>
+    <ds:schemaRef ds:uri="http://schemas.microsoft.com/sharepoint/v3"/>
+    <ds:schemaRef ds:uri="71af3243-3dd4-4a8d-8c0d-dd76da1f02a5"/>
+    <ds:schemaRef ds:uri="230e9df3-be65-4c73-a93b-d1236ebd677e"/>
+  </ds:schemaRefs>
+</ds:datastoreItem>
+</file>
+
 <file path=docMetadata/LabelInfo.xml><?xml version="1.0" encoding="utf-8"?>
 <clbl:labelList xmlns:clbl="http://schemas.microsoft.com/office/2020/mipLabelMetadata"/>
 </file>
--- a/First presentation draft.pptx
+++ b/First presentation draft.pptx
@@ -3665,7 +3665,7 @@
           <a:p>
             <a:fld id="{258BFD57-AB0A-470B-A7AF-56DFE7B5174A}" type="datetimeFigureOut">
               <a:rPr lang="en-US" smtClean="0"/>
-              <a:t>11/12/2025</a:t>
+              <a:t>11/15/2025</a:t>
             </a:fld>
             <a:endParaRPr lang="en-US" dirty="0"/>
           </a:p>
@@ -3842,7 +3842,7 @@
           <a:p>
             <a:fld id="{D4B3339F-6CEA-4641-BE08-40DAFD6FCF25}" type="datetimeFigureOut">
               <a:rPr lang="en-US" smtClean="0"/>
-              <a:t>11/12/2025</a:t>
+              <a:t>11/15/2025</a:t>
             </a:fld>
             <a:endParaRPr lang="en-US" dirty="0"/>
           </a:p>
@@ -4160,7 +4160,30 @@
           <a:bodyPr/>
           <a:lstStyle/>
           <a:p>
-            <a:endParaRPr lang="en-US" dirty="0"/>
+            <a:r>
+              <a:rPr lang="en-US" dirty="0"/>
+              <a:t>B: </a:t>
+            </a:r>
+          </a:p>
+          <a:p>
+            <a:r>
+              <a:rPr lang="en-US" dirty="0"/>
+              <a:t>Hello everyone, and welcome to our workshop on Kubernetes Essentials.</a:t>
+            </a:r>
+            <a:br>
+              <a:rPr lang="en-US" dirty="0"/>
+            </a:br>
+            <a:r>
+              <a:rPr lang="en-US" dirty="0"/>
+              <a:t>Me and Robert are going to walk you through what Kubernetes is, why it exists, and how you can start using it effectively.</a:t>
+            </a:r>
+            <a:br>
+              <a:rPr lang="en-US" dirty="0"/>
+            </a:br>
+            <a:r>
+              <a:rPr lang="en-US" dirty="0"/>
+              <a:t>By the end, you’ll understand both the high-level concepts and practical reasons for using Kubernetes in modern application environments.</a:t>
+            </a:r>
           </a:p>
         </p:txBody>
       </p:sp>
@@ -4251,7 +4274,77 @@
           <a:bodyPr/>
           <a:lstStyle/>
           <a:p>
-            <a:endParaRPr lang="en-US" dirty="0"/>
+            <a:r>
+              <a:rPr lang="en-US" dirty="0"/>
+              <a:t>B:</a:t>
+            </a:r>
+            <a:br>
+              <a:rPr lang="en-US" dirty="0"/>
+            </a:br>
+            <a:r>
+              <a:rPr lang="en-US" dirty="0"/>
+              <a:t>Here’s a quick breakdown of the Kubernetes architecture.</a:t>
+            </a:r>
+            <a:br>
+              <a:rPr lang="en-US" dirty="0"/>
+            </a:br>
+            <a:r>
+              <a:rPr lang="en-US" dirty="0"/>
+              <a:t>The control plane is the brain—it includes the API server, </a:t>
+            </a:r>
+            <a:r>
+              <a:rPr lang="en-US" dirty="0" err="1"/>
+              <a:t>etcd</a:t>
+            </a:r>
+            <a:r>
+              <a:rPr lang="en-US" dirty="0"/>
+              <a:t> for storing cluster state, the scheduler, and various controllers.</a:t>
+            </a:r>
+            <a:br>
+              <a:rPr lang="en-US" dirty="0"/>
+            </a:br>
+            <a:r>
+              <a:rPr lang="en-US" dirty="0"/>
+              <a:t>Worker nodes actually run your applications.</a:t>
+            </a:r>
+            <a:br>
+              <a:rPr lang="en-US" dirty="0"/>
+            </a:br>
+            <a:r>
+              <a:rPr lang="en-US" dirty="0"/>
+              <a:t>Each node has a </a:t>
+            </a:r>
+            <a:r>
+              <a:rPr lang="en-US" dirty="0" err="1"/>
+              <a:t>kubelet</a:t>
+            </a:r>
+            <a:r>
+              <a:rPr lang="en-US" dirty="0"/>
+              <a:t>, a container runtime like </a:t>
+            </a:r>
+            <a:r>
+              <a:rPr lang="en-US" dirty="0" err="1"/>
+              <a:t>containerd</a:t>
+            </a:r>
+            <a:r>
+              <a:rPr lang="en-US" dirty="0"/>
+              <a:t>, and </a:t>
+            </a:r>
+            <a:r>
+              <a:rPr lang="en-US" dirty="0" err="1"/>
+              <a:t>kube</a:t>
+            </a:r>
+            <a:r>
+              <a:rPr lang="en-US" dirty="0"/>
+              <a:t>-proxy for networking.</a:t>
+            </a:r>
+            <a:br>
+              <a:rPr lang="en-US" dirty="0"/>
+            </a:br>
+            <a:r>
+              <a:rPr lang="en-US" dirty="0"/>
+              <a:t>Together, these components coordinate to keep the cluster up and running.</a:t>
+            </a:r>
           </a:p>
         </p:txBody>
       </p:sp>
@@ -4342,7 +4435,24 @@
           <a:bodyPr/>
           <a:lstStyle/>
           <a:p>
-            <a:endParaRPr lang="en-US" dirty="0"/>
+            <a:r>
+              <a:rPr lang="en-US" dirty="0"/>
+              <a:t>B:</a:t>
+            </a:r>
+            <a:br>
+              <a:rPr lang="en-US" dirty="0"/>
+            </a:br>
+            <a:r>
+              <a:rPr lang="en-US" dirty="0"/>
+              <a:t>This diagram visualizes everything we just covered—control plane components at the top and worker nodes below.</a:t>
+            </a:r>
+            <a:br>
+              <a:rPr lang="en-US" dirty="0"/>
+            </a:br>
+            <a:r>
+              <a:rPr lang="en-US" dirty="0"/>
+              <a:t>It helps you understand how Kubernetes decides where to run applications and how it maintains the desired state.</a:t>
+            </a:r>
           </a:p>
         </p:txBody>
       </p:sp>
@@ -4451,7 +4561,87 @@
           <a:bodyPr/>
           <a:lstStyle/>
           <a:p>
+            <a:r>
+              <a:rPr lang="en-US" dirty="0"/>
+              <a:t>D: </a:t>
+            </a:r>
+            <a:br>
+              <a:rPr lang="en-US" dirty="0"/>
+            </a:br>
+            <a:r>
+              <a:rPr lang="en-US" dirty="0"/>
+              <a:t>Kubernetes introduces several key abstractions.</a:t>
+            </a:r>
+            <a:br>
+              <a:rPr lang="en-US" dirty="0"/>
+            </a:br>
+            <a:r>
+              <a:rPr lang="en-US" dirty="0"/>
+              <a:t>Pods are the smallest deployable units.</a:t>
+            </a:r>
+            <a:br>
+              <a:rPr lang="en-US" dirty="0"/>
+            </a:br>
+            <a:r>
+              <a:rPr lang="en-US" dirty="0" err="1"/>
+              <a:t>ReplicaSets</a:t>
+            </a:r>
+            <a:r>
+              <a:rPr lang="en-US" dirty="0"/>
+              <a:t> ensure a certain number of pods are always running.</a:t>
+            </a:r>
+            <a:br>
+              <a:rPr lang="en-US" dirty="0"/>
+            </a:br>
+            <a:r>
+              <a:rPr lang="en-US" dirty="0"/>
+              <a:t>Deployments manage updates over time.</a:t>
+            </a:r>
+            <a:br>
+              <a:rPr lang="en-US" dirty="0"/>
+            </a:br>
+            <a:r>
+              <a:rPr lang="en-US" dirty="0"/>
+              <a:t>Services provide networking and stable access points.</a:t>
+            </a:r>
+            <a:br>
+              <a:rPr lang="en-US" dirty="0"/>
+            </a:br>
+            <a:r>
+              <a:rPr lang="en-US" dirty="0" err="1"/>
+              <a:t>ConfigMaps</a:t>
+            </a:r>
+            <a:r>
+              <a:rPr lang="en-US" dirty="0"/>
+              <a:t> and Secrets store configuration.</a:t>
+            </a:r>
+            <a:br>
+              <a:rPr lang="en-US" dirty="0"/>
+            </a:br>
+            <a:r>
+              <a:rPr lang="en-US" dirty="0" err="1"/>
+              <a:t>PersistentVolumes</a:t>
+            </a:r>
+            <a:r>
+              <a:rPr lang="en-US" dirty="0"/>
+              <a:t> handle storage.</a:t>
+            </a:r>
+            <a:br>
+              <a:rPr lang="en-US" dirty="0"/>
+            </a:br>
+            <a:r>
+              <a:rPr lang="en-US" dirty="0"/>
+              <a:t>Understanding these abstractions is essential to working with Kubernetes.</a:t>
+            </a:r>
+          </a:p>
+          <a:p>
             <a:endParaRPr lang="en-US" dirty="0"/>
+          </a:p>
+          <a:p>
+            <a:r>
+              <a:rPr lang="en-US" dirty="0"/>
+              <a:t>This flowchart shows how requests and objects flow through Kubernetes—from definitions in YAML, through the API server, controllers, scheduler, and finally the nodes that run the containers.</a:t>
+            </a:r>
           </a:p>
         </p:txBody>
       </p:sp>
@@ -4498,6 +4688,353 @@
 </file>
 
 <file path=ppt/notesSlides/notesSlide13.xml><?xml version="1.0" encoding="utf-8"?>
+<p:notes xmlns:a="http://schemas.openxmlformats.org/drawingml/2006/main" xmlns:r="http://schemas.openxmlformats.org/officeDocument/2006/relationships" xmlns:p="http://schemas.openxmlformats.org/presentationml/2006/main">
+  <p:cSld>
+    <p:spTree>
+      <p:nvGrpSpPr>
+        <p:cNvPr id="1" name=""/>
+        <p:cNvGrpSpPr/>
+        <p:nvPr/>
+      </p:nvGrpSpPr>
+      <p:grpSpPr>
+        <a:xfrm>
+          <a:off x="0" y="0"/>
+          <a:ext cx="0" cy="0"/>
+          <a:chOff x="0" y="0"/>
+          <a:chExt cx="0" cy="0"/>
+        </a:xfrm>
+      </p:grpSpPr>
+      <p:sp>
+        <p:nvSpPr>
+          <p:cNvPr id="2" name="Slide Image Placeholder 1"/>
+          <p:cNvSpPr>
+            <a:spLocks noGrp="1" noRot="1" noChangeAspect="1"/>
+          </p:cNvSpPr>
+          <p:nvPr>
+            <p:ph type="sldImg"/>
+          </p:nvPr>
+        </p:nvSpPr>
+        <p:spPr/>
+      </p:sp>
+      <p:sp>
+        <p:nvSpPr>
+          <p:cNvPr id="3" name="Notes Placeholder 2"/>
+          <p:cNvSpPr>
+            <a:spLocks noGrp="1"/>
+          </p:cNvSpPr>
+          <p:nvPr>
+            <p:ph type="body" idx="1"/>
+          </p:nvPr>
+        </p:nvSpPr>
+        <p:spPr/>
+        <p:txBody>
+          <a:bodyPr/>
+          <a:lstStyle/>
+          <a:p>
+            <a:r>
+              <a:rPr lang="en-US" dirty="0"/>
+              <a:t>B:</a:t>
+            </a:r>
+            <a:br>
+              <a:rPr lang="en-US" dirty="0"/>
+            </a:br>
+            <a:r>
+              <a:rPr lang="en-US" dirty="0"/>
+              <a:t>Kubernetes constantly compares the actual state of the cluster to the desired state defined by the user.</a:t>
+            </a:r>
+            <a:br>
+              <a:rPr lang="en-US" dirty="0"/>
+            </a:br>
+            <a:r>
+              <a:rPr lang="en-US" dirty="0"/>
+              <a:t>This is known as reconciliation.</a:t>
+            </a:r>
+            <a:br>
+              <a:rPr lang="en-US" dirty="0"/>
+            </a:br>
+            <a:r>
+              <a:rPr lang="en-US" dirty="0"/>
+              <a:t>If a pod crashes, it gets restarted.</a:t>
+            </a:r>
+            <a:br>
+              <a:rPr lang="en-US" dirty="0"/>
+            </a:br>
+            <a:r>
+              <a:rPr lang="en-US" dirty="0"/>
+              <a:t>If a node fails, pods are moved.</a:t>
+            </a:r>
+            <a:br>
+              <a:rPr lang="en-US" dirty="0"/>
+            </a:br>
+            <a:r>
+              <a:rPr lang="en-US" dirty="0"/>
+              <a:t>If you change your YAML and apply it, Kubernetes updates the system automatically.</a:t>
+            </a:r>
+            <a:br>
+              <a:rPr lang="en-US" dirty="0"/>
+            </a:br>
+            <a:r>
+              <a:rPr lang="en-US" dirty="0"/>
+              <a:t>This loop is the foundation of Kubernetes reliability.</a:t>
+            </a:r>
+          </a:p>
+        </p:txBody>
+      </p:sp>
+      <p:sp>
+        <p:nvSpPr>
+          <p:cNvPr id="4" name="Slide Number Placeholder 3"/>
+          <p:cNvSpPr>
+            <a:spLocks noGrp="1"/>
+          </p:cNvSpPr>
+          <p:nvPr>
+            <p:ph type="sldNum" sz="quarter" idx="5"/>
+          </p:nvPr>
+        </p:nvSpPr>
+        <p:spPr/>
+        <p:txBody>
+          <a:bodyPr/>
+          <a:lstStyle/>
+          <a:p>
+            <a:fld id="{DEF75CB5-5666-5049-9AE0-38EFD385C21E}" type="slidenum">
+              <a:rPr lang="en-US" smtClean="0"/>
+              <a:t>13</a:t>
+            </a:fld>
+            <a:endParaRPr lang="en-US" dirty="0"/>
+          </a:p>
+        </p:txBody>
+      </p:sp>
+    </p:spTree>
+    <p:extLst>
+      <p:ext uri="{BB962C8B-B14F-4D97-AF65-F5344CB8AC3E}">
+        <p14:creationId xmlns:p14="http://schemas.microsoft.com/office/powerpoint/2010/main" val="2292768332"/>
+      </p:ext>
+    </p:extLst>
+  </p:cSld>
+  <p:clrMapOvr>
+    <a:masterClrMapping/>
+  </p:clrMapOvr>
+</p:notes>
+</file>
+
+<file path=ppt/notesSlides/notesSlide14.xml><?xml version="1.0" encoding="utf-8"?>
+<p:notes xmlns:a="http://schemas.openxmlformats.org/drawingml/2006/main" xmlns:r="http://schemas.openxmlformats.org/officeDocument/2006/relationships" xmlns:p="http://schemas.openxmlformats.org/presentationml/2006/main">
+  <p:cSld>
+    <p:spTree>
+      <p:nvGrpSpPr>
+        <p:cNvPr id="1" name=""/>
+        <p:cNvGrpSpPr/>
+        <p:nvPr/>
+      </p:nvGrpSpPr>
+      <p:grpSpPr>
+        <a:xfrm>
+          <a:off x="0" y="0"/>
+          <a:ext cx="0" cy="0"/>
+          <a:chOff x="0" y="0"/>
+          <a:chExt cx="0" cy="0"/>
+        </a:xfrm>
+      </p:grpSpPr>
+      <p:sp>
+        <p:nvSpPr>
+          <p:cNvPr id="2" name="Slide Image Placeholder 1"/>
+          <p:cNvSpPr>
+            <a:spLocks noGrp="1" noRot="1" noChangeAspect="1"/>
+          </p:cNvSpPr>
+          <p:nvPr>
+            <p:ph type="sldImg"/>
+          </p:nvPr>
+        </p:nvSpPr>
+        <p:spPr/>
+      </p:sp>
+      <p:sp>
+        <p:nvSpPr>
+          <p:cNvPr id="3" name="Notes Placeholder 2"/>
+          <p:cNvSpPr>
+            <a:spLocks noGrp="1"/>
+          </p:cNvSpPr>
+          <p:nvPr>
+            <p:ph type="body" idx="1"/>
+          </p:nvPr>
+        </p:nvSpPr>
+        <p:spPr/>
+        <p:txBody>
+          <a:bodyPr/>
+          <a:lstStyle/>
+          <a:p>
+            <a:r>
+              <a:rPr lang="en-US" dirty="0"/>
+              <a:t>Practical </a:t>
+            </a:r>
+          </a:p>
+        </p:txBody>
+      </p:sp>
+      <p:sp>
+        <p:nvSpPr>
+          <p:cNvPr id="4" name="Slide Number Placeholder 3"/>
+          <p:cNvSpPr>
+            <a:spLocks noGrp="1"/>
+          </p:cNvSpPr>
+          <p:nvPr>
+            <p:ph type="sldNum" sz="quarter" idx="5"/>
+          </p:nvPr>
+        </p:nvSpPr>
+        <p:spPr/>
+        <p:txBody>
+          <a:bodyPr/>
+          <a:lstStyle/>
+          <a:p>
+            <a:fld id="{DEF75CB5-5666-5049-9AE0-38EFD385C21E}" type="slidenum">
+              <a:rPr lang="en-US" smtClean="0"/>
+              <a:t>14</a:t>
+            </a:fld>
+            <a:endParaRPr lang="en-US" dirty="0"/>
+          </a:p>
+        </p:txBody>
+      </p:sp>
+    </p:spTree>
+    <p:extLst>
+      <p:ext uri="{BB962C8B-B14F-4D97-AF65-F5344CB8AC3E}">
+        <p14:creationId xmlns:p14="http://schemas.microsoft.com/office/powerpoint/2010/main" val="3266221550"/>
+      </p:ext>
+    </p:extLst>
+  </p:cSld>
+  <p:clrMapOvr>
+    <a:masterClrMapping/>
+  </p:clrMapOvr>
+</p:notes>
+</file>
+
+<file path=ppt/notesSlides/notesSlide15.xml><?xml version="1.0" encoding="utf-8"?>
+<p:notes xmlns:a="http://schemas.openxmlformats.org/drawingml/2006/main" xmlns:r="http://schemas.openxmlformats.org/officeDocument/2006/relationships" xmlns:p="http://schemas.openxmlformats.org/presentationml/2006/main">
+  <p:cSld>
+    <p:spTree>
+      <p:nvGrpSpPr>
+        <p:cNvPr id="1" name=""/>
+        <p:cNvGrpSpPr/>
+        <p:nvPr/>
+      </p:nvGrpSpPr>
+      <p:grpSpPr>
+        <a:xfrm>
+          <a:off x="0" y="0"/>
+          <a:ext cx="0" cy="0"/>
+          <a:chOff x="0" y="0"/>
+          <a:chExt cx="0" cy="0"/>
+        </a:xfrm>
+      </p:grpSpPr>
+      <p:sp>
+        <p:nvSpPr>
+          <p:cNvPr id="2" name="Slide Image Placeholder 1"/>
+          <p:cNvSpPr>
+            <a:spLocks noGrp="1" noRot="1" noChangeAspect="1"/>
+          </p:cNvSpPr>
+          <p:nvPr>
+            <p:ph type="sldImg"/>
+          </p:nvPr>
+        </p:nvSpPr>
+        <p:spPr/>
+      </p:sp>
+      <p:sp>
+        <p:nvSpPr>
+          <p:cNvPr id="3" name="Notes Placeholder 2"/>
+          <p:cNvSpPr>
+            <a:spLocks noGrp="1"/>
+          </p:cNvSpPr>
+          <p:nvPr>
+            <p:ph type="body" idx="1"/>
+          </p:nvPr>
+        </p:nvSpPr>
+        <p:spPr/>
+        <p:txBody>
+          <a:bodyPr/>
+          <a:lstStyle/>
+          <a:p>
+            <a:r>
+              <a:rPr lang="en-US" dirty="0"/>
+              <a:t>Here are some recommended resources to continue learning.</a:t>
+            </a:r>
+            <a:br>
+              <a:rPr lang="en-US" dirty="0"/>
+            </a:br>
+            <a:r>
+              <a:rPr lang="en-US" dirty="0"/>
+              <a:t>The official Kubernetes documentation is excellent.</a:t>
+            </a:r>
+            <a:br>
+              <a:rPr lang="en-US" dirty="0"/>
+            </a:br>
+            <a:r>
+              <a:rPr lang="en-US" dirty="0"/>
+              <a:t>Interactive tutorials like </a:t>
+            </a:r>
+            <a:r>
+              <a:rPr lang="en-US" dirty="0" err="1"/>
+              <a:t>Katacoda</a:t>
+            </a:r>
+            <a:r>
+              <a:rPr lang="en-US" dirty="0"/>
+              <a:t> help you practice hands-on.</a:t>
+            </a:r>
+            <a:br>
+              <a:rPr lang="en-US" dirty="0"/>
+            </a:br>
+            <a:r>
+              <a:rPr lang="en-US" dirty="0"/>
+              <a:t>The book </a:t>
+            </a:r>
+            <a:r>
+              <a:rPr lang="en-US" i="1" dirty="0"/>
+              <a:t>Kubernetes Up &amp; Running</a:t>
+            </a:r>
+            <a:r>
+              <a:rPr lang="en-US" dirty="0"/>
+              <a:t> is a great deep dive.</a:t>
+            </a:r>
+            <a:br>
+              <a:rPr lang="en-US" dirty="0"/>
+            </a:br>
+            <a:r>
+              <a:rPr lang="en-US"/>
+              <a:t>And CNCF community blogs and reports help you stay up-to-date with new features.</a:t>
+            </a:r>
+          </a:p>
+        </p:txBody>
+      </p:sp>
+      <p:sp>
+        <p:nvSpPr>
+          <p:cNvPr id="4" name="Slide Number Placeholder 3"/>
+          <p:cNvSpPr>
+            <a:spLocks noGrp="1"/>
+          </p:cNvSpPr>
+          <p:nvPr>
+            <p:ph type="sldNum" sz="quarter" idx="5"/>
+          </p:nvPr>
+        </p:nvSpPr>
+        <p:spPr/>
+        <p:txBody>
+          <a:bodyPr/>
+          <a:lstStyle/>
+          <a:p>
+            <a:fld id="{DEF75CB5-5666-5049-9AE0-38EFD385C21E}" type="slidenum">
+              <a:rPr lang="en-US" smtClean="0"/>
+              <a:t>15</a:t>
+            </a:fld>
+            <a:endParaRPr lang="en-US" dirty="0"/>
+          </a:p>
+        </p:txBody>
+      </p:sp>
+    </p:spTree>
+    <p:extLst>
+      <p:ext uri="{BB962C8B-B14F-4D97-AF65-F5344CB8AC3E}">
+        <p14:creationId xmlns:p14="http://schemas.microsoft.com/office/powerpoint/2010/main" val="2330211550"/>
+      </p:ext>
+    </p:extLst>
+  </p:cSld>
+  <p:clrMapOvr>
+    <a:masterClrMapping/>
+  </p:clrMapOvr>
+</p:notes>
+</file>
+
+<file path=ppt/notesSlides/notesSlide16.xml><?xml version="1.0" encoding="utf-8"?>
 <p:notes xmlns:a="http://schemas.openxmlformats.org/drawingml/2006/main" xmlns:r="http://schemas.openxmlformats.org/officeDocument/2006/relationships" xmlns:p="http://schemas.openxmlformats.org/presentationml/2006/main">
   <p:cSld>
     <p:spTree>
@@ -4639,7 +5176,37 @@
           <a:bodyPr/>
           <a:lstStyle/>
           <a:p>
-            <a:endParaRPr lang="en-US" dirty="0"/>
+            <a:r>
+              <a:rPr lang="en-US" dirty="0"/>
+              <a:t>B: </a:t>
+            </a:r>
+          </a:p>
+          <a:p>
+            <a:r>
+              <a:rPr lang="en-US" dirty="0"/>
+              <a:t>Here’s what we’ll cover today.</a:t>
+            </a:r>
+            <a:br>
+              <a:rPr lang="en-US" dirty="0"/>
+            </a:br>
+            <a:r>
+              <a:rPr lang="en-US" dirty="0"/>
+              <a:t>We’ll start with an introduction to Kubernetes—where it came from and why it was created.</a:t>
+            </a:r>
+            <a:br>
+              <a:rPr lang="en-US" dirty="0"/>
+            </a:br>
+            <a:r>
+              <a:rPr lang="en-US" dirty="0"/>
+              <a:t>Then we’ll look at why it remains relevant, compare it with alternative tools, explore its architecture and core concepts, walk through how Kubernetes works in practice, and discuss when you should or shouldn’t use it.</a:t>
+            </a:r>
+            <a:br>
+              <a:rPr lang="en-US" dirty="0"/>
+            </a:br>
+            <a:r>
+              <a:rPr lang="en-US" dirty="0"/>
+              <a:t>After talking about Kubernetes, we prepared some exercises that will help you better understand how it works.</a:t>
+            </a:r>
           </a:p>
         </p:txBody>
       </p:sp>
@@ -4790,7 +5357,37 @@
           <a:bodyPr/>
           <a:lstStyle/>
           <a:p>
-            <a:endParaRPr lang="en-US" dirty="0"/>
+            <a:r>
+              <a:rPr lang="en-US" dirty="0"/>
+              <a:t>D: </a:t>
+            </a:r>
+          </a:p>
+          <a:p>
+            <a:r>
+              <a:rPr lang="en-US" dirty="0"/>
+              <a:t>Kubernetes exists because containers became extremely popular—they’re portable, isolated, and efficient.</a:t>
+            </a:r>
+            <a:br>
+              <a:rPr lang="en-US" dirty="0"/>
+            </a:br>
+            <a:r>
+              <a:rPr lang="en-US" dirty="0"/>
+              <a:t>But as organizations started running hundreds or thousands of containers, managing them manually quickly became impossible.</a:t>
+            </a:r>
+            <a:br>
+              <a:rPr lang="en-US" dirty="0"/>
+            </a:br>
+            <a:r>
+              <a:rPr lang="en-US" dirty="0"/>
+              <a:t>Kubernetes automates deployment, scaling, and management using a declarative model.</a:t>
+            </a:r>
+            <a:br>
+              <a:rPr lang="en-US" dirty="0"/>
+            </a:br>
+            <a:r>
+              <a:rPr lang="en-US" dirty="0"/>
+              <a:t>That means you describe the state you want, and Kubernetes constantly works to make sure the system matches that state.</a:t>
+            </a:r>
           </a:p>
         </p:txBody>
       </p:sp>
@@ -4881,7 +5478,39 @@
           <a:bodyPr/>
           <a:lstStyle/>
           <a:p>
+            <a:r>
+              <a:rPr lang="en-US" dirty="0"/>
+              <a:t>B: </a:t>
+            </a:r>
+          </a:p>
+          <a:p>
+            <a:r>
+              <a:rPr lang="en-US" dirty="0"/>
+              <a:t>Kubernetes was developed at Google around 2013, based on internal systems like Borg and Omega.</a:t>
+            </a:r>
+            <a:br>
+              <a:rPr lang="en-US" dirty="0"/>
+            </a:br>
+            <a:r>
+              <a:rPr lang="en-US" dirty="0"/>
+              <a:t>These systems had already been running massive distributed workloads for years.</a:t>
+            </a:r>
+            <a:br>
+              <a:rPr lang="en-US" dirty="0"/>
+            </a:br>
+            <a:r>
+              <a:rPr lang="en-US" dirty="0"/>
+              <a:t>Google open-sourced Kubernetes in 2014 and donated it to the CNCF in 2015, which helped it grow into a cloud-agnostic, community-driven platform that works on-premises, in hybrid setups, and in public clouds.</a:t>
+            </a:r>
+          </a:p>
+          <a:p>
             <a:endParaRPr lang="en-US" dirty="0"/>
+          </a:p>
+          <a:p>
+            <a:r>
+              <a:rPr lang="en-US" dirty="0"/>
+              <a:t>This diagram gives a visual timeline of Kubernetes’ evolution—from its early Google roots to where it is today as one of the most widely adopted cloud-native technologies.</a:t>
+            </a:r>
           </a:p>
         </p:txBody>
       </p:sp>
@@ -4972,7 +5601,58 @@
           <a:bodyPr/>
           <a:lstStyle/>
           <a:p>
-            <a:endParaRPr lang="en-US" dirty="0"/>
+            <a:r>
+              <a:rPr lang="en-US" dirty="0"/>
+              <a:t>D: </a:t>
+            </a:r>
+          </a:p>
+          <a:p>
+            <a:r>
+              <a:rPr lang="en-US" dirty="0"/>
+              <a:t>Kubernetes addresses a set of core operational challenges.</a:t>
+            </a:r>
+            <a:br>
+              <a:rPr lang="en-US" dirty="0"/>
+            </a:br>
+            <a:r>
+              <a:rPr lang="en-US" dirty="0"/>
+              <a:t>It automates container scheduling so workloads are placed efficiently.</a:t>
+            </a:r>
+            <a:br>
+              <a:rPr lang="en-US" dirty="0"/>
+            </a:br>
+            <a:r>
+              <a:rPr lang="en-US" dirty="0"/>
+              <a:t>It provides self-healing, so failed containers restart automatically.</a:t>
+            </a:r>
+            <a:br>
+              <a:rPr lang="en-US" dirty="0"/>
+            </a:br>
+            <a:r>
+              <a:rPr lang="en-US" dirty="0"/>
+              <a:t>It standardizes deployments using declarative YAML files.</a:t>
+            </a:r>
+            <a:br>
+              <a:rPr lang="en-US" dirty="0"/>
+            </a:br>
+            <a:r>
+              <a:rPr lang="en-US" dirty="0"/>
+              <a:t>It supports rolling updates and instant rollbacks, making deployments safer.</a:t>
+            </a:r>
+            <a:br>
+              <a:rPr lang="en-US" dirty="0"/>
+            </a:br>
+            <a:r>
+              <a:rPr lang="en-US" dirty="0"/>
+              <a:t>And it handles service discovery, networking, and scaling automatically.</a:t>
+            </a:r>
+            <a:br>
+              <a:rPr lang="en-US" dirty="0"/>
+            </a:br>
+            <a:r>
+              <a:rPr lang="en-US" dirty="0"/>
+              <a:t>In short: it turns complex distributed operations into predictable, automated processes.</a:t>
+            </a:r>
           </a:p>
         </p:txBody>
       </p:sp>
@@ -5063,7 +5743,69 @@
           <a:bodyPr/>
           <a:lstStyle/>
           <a:p>
+            <a:r>
+              <a:rPr lang="en-US" dirty="0"/>
+              <a:t>B:</a:t>
+            </a:r>
+            <a:br>
+              <a:rPr lang="en-US" dirty="0"/>
+            </a:br>
+            <a:r>
+              <a:rPr lang="en-US" dirty="0"/>
+              <a:t>Kubernetes remains relevant because it dominates the container orchestration ecosystem.</a:t>
+            </a:r>
+            <a:br>
+              <a:rPr lang="en-US" dirty="0"/>
+            </a:br>
+            <a:r>
+              <a:rPr lang="en-US" dirty="0"/>
+              <a:t>It has a huge community, major vendor support, and a massive ecosystem of plugins and tools.</a:t>
+            </a:r>
+            <a:br>
+              <a:rPr lang="en-US" dirty="0"/>
+            </a:br>
+            <a:r>
+              <a:rPr lang="en-US" dirty="0"/>
+              <a:t>It's open-source and extremely flexible.</a:t>
+            </a:r>
+            <a:br>
+              <a:rPr lang="en-US" dirty="0"/>
+            </a:br>
+            <a:r>
+              <a:rPr lang="en-US" dirty="0"/>
+              <a:t>It also works consistently across multi-cloud and hybrid environments.</a:t>
+            </a:r>
+            <a:br>
+              <a:rPr lang="en-US" dirty="0"/>
+            </a:br>
+            <a:r>
+              <a:rPr lang="en-US" dirty="0"/>
+              <a:t>And the ecosystem keeps evolving—tools like </a:t>
+            </a:r>
+            <a:r>
+              <a:rPr lang="en-US" dirty="0" err="1"/>
+              <a:t>Knative</a:t>
+            </a:r>
+            <a:r>
+              <a:rPr lang="en-US" dirty="0"/>
+              <a:t> and Kubeflow show how Kubernetes continues expanding into serverless and machine learning workloads.</a:t>
+            </a:r>
+          </a:p>
+          <a:p>
             <a:endParaRPr lang="en-US" dirty="0"/>
+          </a:p>
+          <a:p>
+            <a:r>
+              <a:rPr lang="en-US" dirty="0"/>
+              <a:t>This diagram gives you a sense of the enormous ecosystem around Kubernetes—covering networking, storage, CI/CD, observability, and more.</a:t>
+            </a:r>
+            <a:br>
+              <a:rPr lang="en-US" dirty="0"/>
+            </a:br>
+            <a:r>
+              <a:rPr lang="en-US" dirty="0"/>
+              <a:t>This ecosystem is one reason Kubernetes remains the industry standard.</a:t>
+            </a:r>
           </a:p>
         </p:txBody>
       </p:sp>
@@ -5214,7 +5956,52 @@
           <a:bodyPr/>
           <a:lstStyle/>
           <a:p>
-            <a:endParaRPr lang="en-US" dirty="0"/>
+            <a:r>
+              <a:rPr lang="en-US" dirty="0"/>
+              <a:t>D:</a:t>
+            </a:r>
+            <a:br>
+              <a:rPr lang="en-US" dirty="0"/>
+            </a:br>
+            <a:r>
+              <a:rPr lang="en-US" dirty="0"/>
+              <a:t>Even though Kubernetes is dominant, there are alternatives.</a:t>
+            </a:r>
+            <a:br>
+              <a:rPr lang="en-US" dirty="0"/>
+            </a:br>
+            <a:r>
+              <a:rPr lang="en-US" dirty="0"/>
+              <a:t>Docker Swarm is simple but doesn't scale as well.</a:t>
+            </a:r>
+            <a:br>
+              <a:rPr lang="en-US" dirty="0"/>
+            </a:br>
+            <a:r>
+              <a:rPr lang="en-US" dirty="0"/>
+              <a:t>Nomad is lightweight and supports more workload types but has fewer built-in features.</a:t>
+            </a:r>
+            <a:br>
+              <a:rPr lang="en-US" dirty="0"/>
+            </a:br>
+            <a:r>
+              <a:rPr lang="en-US" dirty="0"/>
+              <a:t>Mesos was popular for big data workloads but has declined in adoption.</a:t>
+            </a:r>
+            <a:br>
+              <a:rPr lang="en-US" dirty="0"/>
+            </a:br>
+            <a:r>
+              <a:rPr lang="en-US" dirty="0"/>
+              <a:t>OpenShift adds enterprise features on top of Kubernetes but can be heavy and opinionated.</a:t>
+            </a:r>
+            <a:br>
+              <a:rPr lang="en-US" dirty="0"/>
+            </a:br>
+            <a:r>
+              <a:rPr lang="en-US" dirty="0"/>
+              <a:t>This comparison gives you a sense of the trade-offs.</a:t>
+            </a:r>
           </a:p>
         </p:txBody>
       </p:sp>
@@ -5305,7 +6092,39 @@
           <a:bodyPr/>
           <a:lstStyle/>
           <a:p>
+            <a:r>
+              <a:rPr lang="en-US" dirty="0"/>
+              <a:t>B: </a:t>
+            </a:r>
+          </a:p>
+          <a:p>
+            <a:r>
+              <a:rPr lang="en-US" dirty="0"/>
+              <a:t>Kubernetes stands out because of its massive community, unmatched scalability, and rich set of built-in features like rolling updates, service discovery, and auto-scaling.</a:t>
+            </a:r>
+            <a:br>
+              <a:rPr lang="en-US" dirty="0"/>
+            </a:br>
+            <a:r>
+              <a:rPr lang="en-US" dirty="0"/>
+              <a:t>It also runs almost anywhere—on-prem, in the cloud, or across multiple clouds—making it extremely portable</a:t>
+            </a:r>
+          </a:p>
+          <a:p>
             <a:endParaRPr lang="en-US" dirty="0"/>
+          </a:p>
+          <a:p>
+            <a:r>
+              <a:rPr lang="en-US" dirty="0"/>
+              <a:t>This is another view of the Kubernetes ecosystem, showing just how broad and mature the tooling landscape is.</a:t>
+            </a:r>
+            <a:br>
+              <a:rPr lang="en-US" dirty="0"/>
+            </a:br>
+            <a:r>
+              <a:rPr lang="en-US" dirty="0"/>
+              <a:t>This maturity is a major factor in Kubernetes’ success.</a:t>
+            </a:r>
           </a:p>
         </p:txBody>
       </p:sp>
@@ -5396,7 +6215,61 @@
           <a:bodyPr/>
           <a:lstStyle/>
           <a:p>
+            <a:r>
+              <a:rPr lang="en-US" dirty="0"/>
+              <a:t>D:</a:t>
+            </a:r>
+            <a:br>
+              <a:rPr lang="en-US" dirty="0"/>
+            </a:br>
+            <a:r>
+              <a:rPr lang="en-US" dirty="0"/>
+              <a:t>Kubernetes is powerful, but it’s not always the right choice.</a:t>
+            </a:r>
+            <a:br>
+              <a:rPr lang="en-US" dirty="0"/>
+            </a:br>
+            <a:r>
+              <a:rPr lang="en-US" dirty="0"/>
+              <a:t>It shines in complex, distributed systems—especially microservices.</a:t>
+            </a:r>
+            <a:br>
+              <a:rPr lang="en-US" dirty="0"/>
+            </a:br>
+            <a:r>
+              <a:rPr lang="en-US" dirty="0"/>
+              <a:t>But for small applications, low traffic, or teams without DevOps expertise, Kubernetes may add unnecessary complexity.</a:t>
+            </a:r>
+            <a:br>
+              <a:rPr lang="en-US" dirty="0"/>
+            </a:br>
+            <a:r>
+              <a:rPr lang="en-US" dirty="0"/>
+              <a:t>It’s important to weigh the benefits against the operational overhead.</a:t>
+            </a:r>
+          </a:p>
+          <a:p>
             <a:endParaRPr lang="en-US" dirty="0"/>
+          </a:p>
+          <a:p>
+            <a:r>
+              <a:rPr lang="en-US" dirty="0"/>
+              <a:t>This table summarizes when Kubernetes makes sense:</a:t>
+            </a:r>
+            <a:br>
+              <a:rPr lang="en-US" dirty="0"/>
+            </a:br>
+            <a:r>
+              <a:rPr lang="en-US" dirty="0"/>
+              <a:t>Use it for microservices, high-availability systems, frequent deployments, and hybrid/multi-cloud environments.</a:t>
+            </a:r>
+            <a:br>
+              <a:rPr lang="en-US" dirty="0"/>
+            </a:br>
+            <a:r>
+              <a:rPr lang="en-US" dirty="0"/>
+              <a:t>Avoid it for simple monolithic apps, single-instance deployments, small teams without Kubernetes experience, or projects where a simpler PaaS or serverless platform is enough.</a:t>
+            </a:r>
           </a:p>
         </p:txBody>
       </p:sp>
@@ -14167,7 +15040,7 @@
             </a:r>
             <a:r>
               <a:rPr lang="en-US" sz="1100" spc="0" dirty="0"/>
-              <a:t>                                                                                                         Oct 19</a:t>
+              <a:t>                                                                                                        Nov 19</a:t>
             </a:r>
             <a:r>
               <a:rPr lang="en-US" sz="1100" spc="0" baseline="30000" dirty="0"/>
@@ -15712,7 +16585,7 @@
           </p:nvPr>
         </p:nvPicPr>
         <p:blipFill>
-          <a:blip r:embed="rId2"/>
+          <a:blip r:embed="rId3"/>
           <a:stretch>
             <a:fillRect/>
           </a:stretch>
@@ -15930,7 +16803,7 @@
             </a:r>
             <a:r>
               <a:rPr lang="en-US" dirty="0">
-                <a:hlinkClick r:id="rId2"/>
+                <a:hlinkClick r:id="rId3"/>
               </a:rPr>
               <a:t>https://kubernetes.io/docs/home/</a:t>
             </a:r>
@@ -15982,7 +16855,7 @@
           </p:nvPr>
         </p:nvPicPr>
         <p:blipFill>
-          <a:blip r:embed="rId3"/>
+          <a:blip r:embed="rId4"/>
           <a:stretch>
             <a:fillRect/>
           </a:stretch>
@@ -20421,6 +21294,35 @@
 </file>
 
 <file path=customXml/item1.xml><?xml version="1.0" encoding="utf-8"?>
+<p:properties xmlns:p="http://schemas.microsoft.com/office/2006/metadata/properties" xmlns:xsi="http://www.w3.org/2001/XMLSchema-instance" xmlns:pc="http://schemas.microsoft.com/office/infopath/2007/PartnerControls">
+  <documentManagement>
+    <_ip_UnifiedCompliancePolicyUIAction xmlns="http://schemas.microsoft.com/sharepoint/v3" xsi:nil="true"/>
+    <Image xmlns="71af3243-3dd4-4a8d-8c0d-dd76da1f02a5">
+      <Url xsi:nil="true"/>
+      <Description xsi:nil="true"/>
+    </Image>
+    <Status xmlns="71af3243-3dd4-4a8d-8c0d-dd76da1f02a5">Not started</Status>
+    <Background xmlns="71af3243-3dd4-4a8d-8c0d-dd76da1f02a5">false</Background>
+    <_ip_UnifiedCompliancePolicyProperties xmlns="http://schemas.microsoft.com/sharepoint/v3" xsi:nil="true"/>
+    <ImageTagsTaxHTField xmlns="71af3243-3dd4-4a8d-8c0d-dd76da1f02a5">
+      <Terms xmlns="http://schemas.microsoft.com/office/infopath/2007/PartnerControls"/>
+    </ImageTagsTaxHTField>
+    <TaxCatchAll xmlns="230e9df3-be65-4c73-a93b-d1236ebd677e" xsi:nil="true"/>
+    <MediaServiceKeyPoints xmlns="71af3243-3dd4-4a8d-8c0d-dd76da1f02a5" xsi:nil="true"/>
+  </documentManagement>
+</p:properties>
+</file>
+
+<file path=customXml/item2.xml><?xml version="1.0" encoding="utf-8"?>
+<?mso-contentType ?>
+<FormTemplates xmlns="http://schemas.microsoft.com/sharepoint/v3/contenttype/forms">
+  <Display>DocumentLibraryForm</Display>
+  <Edit>DocumentLibraryForm</Edit>
+  <New>DocumentLibraryForm</New>
+</FormTemplates>
+</file>
+
+<file path=customXml/item3.xml><?xml version="1.0" encoding="utf-8"?>
 <ct:contentTypeSchema xmlns:ct="http://schemas.microsoft.com/office/2006/metadata/contentType" xmlns:ma="http://schemas.microsoft.com/office/2006/metadata/properties/metaAttributes" ct:_="" ma:_="" ma:contentTypeName="Document" ma:contentTypeID="0x01010079F111ED35F8CC479449609E8A0923A6" ma:contentTypeVersion="28" ma:contentTypeDescription="Create a new document." ma:contentTypeScope="" ma:versionID="60f5a4f2d2b0abadcf532d48ebf9cb71">
   <xsd:schema xmlns:xsd="http://www.w3.org/2001/XMLSchema" xmlns:xs="http://www.w3.org/2001/XMLSchema" xmlns:p="http://schemas.microsoft.com/office/2006/metadata/properties" xmlns:ns1="http://schemas.microsoft.com/sharepoint/v3" xmlns:ns2="71af3243-3dd4-4a8d-8c0d-dd76da1f02a5" xmlns:ns3="16c05727-aa75-4e4a-9b5f-8a80a1165891" xmlns:ns4="230e9df3-be65-4c73-a93b-d1236ebd677e" targetNamespace="http://schemas.microsoft.com/office/2006/metadata/properties" ma:root="true" ma:fieldsID="7dd78129e6a1811f84807ad11c651531" ns1:_="" ns2:_="" ns3:_="" ns4:_="">
     <xsd:import namespace="http://schemas.microsoft.com/sharepoint/v3"/>
@@ -20732,36 +21634,27 @@
 </ct:contentTypeSchema>
 </file>
 
-<file path=customXml/item2.xml><?xml version="1.0" encoding="utf-8"?>
-<?mso-contentType ?>
-<FormTemplates xmlns="http://schemas.microsoft.com/sharepoint/v3/contenttype/forms">
-  <Display>DocumentLibraryForm</Display>
-  <Edit>DocumentLibraryForm</Edit>
-  <New>DocumentLibraryForm</New>
-</FormTemplates>
+<file path=customXml/itemProps1.xml><?xml version="1.0" encoding="utf-8"?>
+<ds:datastoreItem xmlns:ds="http://schemas.openxmlformats.org/officeDocument/2006/customXml" ds:itemID="{E305301E-11B3-4B9D-A588-21F3C9809371}">
+  <ds:schemaRefs>
+    <ds:schemaRef ds:uri="http://schemas.microsoft.com/office/2006/metadata/properties"/>
+    <ds:schemaRef ds:uri="http://schemas.microsoft.com/office/infopath/2007/PartnerControls"/>
+    <ds:schemaRef ds:uri="http://schemas.microsoft.com/sharepoint/v3"/>
+    <ds:schemaRef ds:uri="71af3243-3dd4-4a8d-8c0d-dd76da1f02a5"/>
+    <ds:schemaRef ds:uri="230e9df3-be65-4c73-a93b-d1236ebd677e"/>
+  </ds:schemaRefs>
+</ds:datastoreItem>
 </file>
 
-<file path=customXml/item3.xml><?xml version="1.0" encoding="utf-8"?>
-<p:properties xmlns:p="http://schemas.microsoft.com/office/2006/metadata/properties" xmlns:xsi="http://www.w3.org/2001/XMLSchema-instance" xmlns:pc="http://schemas.microsoft.com/office/infopath/2007/PartnerControls">
-  <documentManagement>
-    <_ip_UnifiedCompliancePolicyUIAction xmlns="http://schemas.microsoft.com/sharepoint/v3" xsi:nil="true"/>
-    <Image xmlns="71af3243-3dd4-4a8d-8c0d-dd76da1f02a5">
-      <Url xsi:nil="true"/>
-      <Description xsi:nil="true"/>
-    </Image>
-    <Status xmlns="71af3243-3dd4-4a8d-8c0d-dd76da1f02a5">Not started</Status>
-    <Background xmlns="71af3243-3dd4-4a8d-8c0d-dd76da1f02a5">false</Background>
-    <_ip_UnifiedCompliancePolicyProperties xmlns="http://schemas.microsoft.com/sharepoint/v3" xsi:nil="true"/>
-    <ImageTagsTaxHTField xmlns="71af3243-3dd4-4a8d-8c0d-dd76da1f02a5">
-      <Terms xmlns="http://schemas.microsoft.com/office/infopath/2007/PartnerControls"/>
-    </ImageTagsTaxHTField>
-    <TaxCatchAll xmlns="230e9df3-be65-4c73-a93b-d1236ebd677e" xsi:nil="true"/>
-    <MediaServiceKeyPoints xmlns="71af3243-3dd4-4a8d-8c0d-dd76da1f02a5" xsi:nil="true"/>
-  </documentManagement>
-</p:properties>
+<file path=customXml/itemProps2.xml><?xml version="1.0" encoding="utf-8"?>
+<ds:datastoreItem xmlns:ds="http://schemas.openxmlformats.org/officeDocument/2006/customXml" ds:itemID="{44137456-21FC-4AE2-8A94-BF06CAF2EB9B}">
+  <ds:schemaRefs>
+    <ds:schemaRef ds:uri="http://schemas.microsoft.com/sharepoint/v3/contenttype/forms"/>
+  </ds:schemaRefs>
+</ds:datastoreItem>
 </file>
 
-<file path=customXml/itemProps1.xml><?xml version="1.0" encoding="utf-8"?>
+<file path=customXml/itemProps3.xml><?xml version="1.0" encoding="utf-8"?>
 <ds:datastoreItem xmlns:ds="http://schemas.openxmlformats.org/officeDocument/2006/customXml" ds:itemID="{C77B561B-3A65-4A22-9691-EB838E7F9B87}">
   <ds:schemaRefs>
     <ds:schemaRef ds:uri="http://schemas.microsoft.com/office/2006/metadata/contentType"/>
@@ -20782,26 +21675,6 @@
 </ds:datastoreItem>
 </file>
 
-<file path=customXml/itemProps2.xml><?xml version="1.0" encoding="utf-8"?>
-<ds:datastoreItem xmlns:ds="http://schemas.openxmlformats.org/officeDocument/2006/customXml" ds:itemID="{44137456-21FC-4AE2-8A94-BF06CAF2EB9B}">
-  <ds:schemaRefs>
-    <ds:schemaRef ds:uri="http://schemas.microsoft.com/sharepoint/v3/contenttype/forms"/>
-  </ds:schemaRefs>
-</ds:datastoreItem>
-</file>
-
-<file path=customXml/itemProps3.xml><?xml version="1.0" encoding="utf-8"?>
-<ds:datastoreItem xmlns:ds="http://schemas.openxmlformats.org/officeDocument/2006/customXml" ds:itemID="{E305301E-11B3-4B9D-A588-21F3C9809371}">
-  <ds:schemaRefs>
-    <ds:schemaRef ds:uri="http://schemas.microsoft.com/office/2006/metadata/properties"/>
-    <ds:schemaRef ds:uri="http://schemas.microsoft.com/office/infopath/2007/PartnerControls"/>
-    <ds:schemaRef ds:uri="http://schemas.microsoft.com/sharepoint/v3"/>
-    <ds:schemaRef ds:uri="71af3243-3dd4-4a8d-8c0d-dd76da1f02a5"/>
-    <ds:schemaRef ds:uri="230e9df3-be65-4c73-a93b-d1236ebd677e"/>
-  </ds:schemaRefs>
-</ds:datastoreItem>
-</file>
-
 <file path=docMetadata/LabelInfo.xml><?xml version="1.0" encoding="utf-8"?>
 <clbl:labelList xmlns:clbl="http://schemas.microsoft.com/office/2020/mipLabelMetadata"/>
 </file>